--- a/flujogramaEntraSale.pptx
+++ b/flujogramaEntraSale.pptx
@@ -104,6 +104,11 @@
       </a:defRPr>
     </a:lvl9pPr>
   </p:defaultTextStyle>
+  <p:extLst>
+    <p:ext uri="{EFAFB233-063F-42B5-8137-9DF3F51BA10A}">
+      <p15:sldGuideLst xmlns:p15="http://schemas.microsoft.com/office/powerpoint/2012/main"/>
+    </p:ext>
+  </p:extLst>
 </p:presentation>
 </file>
 
@@ -3160,7 +3165,7 @@
         </p:nvSpPr>
         <p:spPr>
           <a:xfrm>
-            <a:off x="7259435" y="5896375"/>
+            <a:off x="7457143" y="6188310"/>
             <a:ext cx="422466" cy="436719"/>
           </a:xfrm>
           <a:prstGeom prst="flowChartConnector">
@@ -3207,7 +3212,7 @@
           <p:cNvPr id="9" name="7 Proceso">
             <a:extLst>
               <a:ext uri="{FF2B5EF4-FFF2-40B4-BE49-F238E27FC236}">
-                <a16:creationId xmlns:a16="http://schemas.microsoft.com/office/drawing/2014/main" xmlns="" id="{D5095488-B6E4-42D1-8BDB-A6F77EDB308A}"/>
+                <a16:creationId xmlns="" xmlns:a16="http://schemas.microsoft.com/office/drawing/2014/main" id="{D5095488-B6E4-42D1-8BDB-A6F77EDB308A}"/>
               </a:ext>
             </a:extLst>
           </p:cNvPr>
@@ -3260,7 +3265,7 @@
           <p:cNvPr id="10" name="7 Proceso">
             <a:extLst>
               <a:ext uri="{FF2B5EF4-FFF2-40B4-BE49-F238E27FC236}">
-                <a16:creationId xmlns:a16="http://schemas.microsoft.com/office/drawing/2014/main" xmlns="" id="{D5095488-B6E4-42D1-8BDB-A6F77EDB308A}"/>
+                <a16:creationId xmlns="" xmlns:a16="http://schemas.microsoft.com/office/drawing/2014/main" id="{D5095488-B6E4-42D1-8BDB-A6F77EDB308A}"/>
               </a:ext>
             </a:extLst>
           </p:cNvPr>
@@ -3302,11 +3307,7 @@
             <a:pPr algn="ctr"/>
             <a:r>
               <a:rPr lang="es-ES" sz="1400" dirty="0" smtClean="0"/>
-              <a:t>Da opci</a:t>
-            </a:r>
-            <a:r>
-              <a:rPr lang="es-ES" sz="1400" dirty="0" smtClean="0"/>
-              <a:t>ón a añadir o eliminar libro</a:t>
+              <a:t>Da opción a añadir o eliminar libro</a:t>
             </a:r>
             <a:endParaRPr lang="es-ES" sz="1400" dirty="0"/>
           </a:p>
@@ -3371,7 +3372,7 @@
           <p:cNvPr id="12" name="175 CuadroTexto">
             <a:extLst>
               <a:ext uri="{FF2B5EF4-FFF2-40B4-BE49-F238E27FC236}">
-                <a16:creationId xmlns:a16="http://schemas.microsoft.com/office/drawing/2014/main" xmlns="" id="{CB075141-875B-4CC9-9728-80AC4FA1DD27}"/>
+                <a16:creationId xmlns="" xmlns:a16="http://schemas.microsoft.com/office/drawing/2014/main" id="{CB075141-875B-4CC9-9728-80AC4FA1DD27}"/>
               </a:ext>
             </a:extLst>
           </p:cNvPr>
@@ -3406,7 +3407,7 @@
           <p:cNvPr id="13" name="175 CuadroTexto">
             <a:extLst>
               <a:ext uri="{FF2B5EF4-FFF2-40B4-BE49-F238E27FC236}">
-                <a16:creationId xmlns:a16="http://schemas.microsoft.com/office/drawing/2014/main" xmlns="" id="{CB075141-875B-4CC9-9728-80AC4FA1DD27}"/>
+                <a16:creationId xmlns="" xmlns:a16="http://schemas.microsoft.com/office/drawing/2014/main" id="{CB075141-875B-4CC9-9728-80AC4FA1DD27}"/>
               </a:ext>
             </a:extLst>
           </p:cNvPr>
@@ -3442,7 +3443,7 @@
           <p:cNvPr id="14" name="175 CuadroTexto">
             <a:extLst>
               <a:ext uri="{FF2B5EF4-FFF2-40B4-BE49-F238E27FC236}">
-                <a16:creationId xmlns:a16="http://schemas.microsoft.com/office/drawing/2014/main" xmlns="" id="{CB075141-875B-4CC9-9728-80AC4FA1DD27}"/>
+                <a16:creationId xmlns="" xmlns:a16="http://schemas.microsoft.com/office/drawing/2014/main" id="{CB075141-875B-4CC9-9728-80AC4FA1DD27}"/>
               </a:ext>
             </a:extLst>
           </p:cNvPr>
@@ -3529,7 +3530,7 @@
           <p:cNvPr id="16" name="7 Proceso">
             <a:extLst>
               <a:ext uri="{FF2B5EF4-FFF2-40B4-BE49-F238E27FC236}">
-                <a16:creationId xmlns:a16="http://schemas.microsoft.com/office/drawing/2014/main" xmlns="" id="{D5095488-B6E4-42D1-8BDB-A6F77EDB308A}"/>
+                <a16:creationId xmlns="" xmlns:a16="http://schemas.microsoft.com/office/drawing/2014/main" id="{D5095488-B6E4-42D1-8BDB-A6F77EDB308A}"/>
               </a:ext>
             </a:extLst>
           </p:cNvPr>
@@ -3582,7 +3583,7 @@
           <p:cNvPr id="17" name="7 Proceso">
             <a:extLst>
               <a:ext uri="{FF2B5EF4-FFF2-40B4-BE49-F238E27FC236}">
-                <a16:creationId xmlns:a16="http://schemas.microsoft.com/office/drawing/2014/main" xmlns="" id="{D5095488-B6E4-42D1-8BDB-A6F77EDB308A}"/>
+                <a16:creationId xmlns="" xmlns:a16="http://schemas.microsoft.com/office/drawing/2014/main" id="{D5095488-B6E4-42D1-8BDB-A6F77EDB308A}"/>
               </a:ext>
             </a:extLst>
           </p:cNvPr>
@@ -3635,7 +3636,7 @@
           <p:cNvPr id="18" name="7 Proceso">
             <a:extLst>
               <a:ext uri="{FF2B5EF4-FFF2-40B4-BE49-F238E27FC236}">
-                <a16:creationId xmlns:a16="http://schemas.microsoft.com/office/drawing/2014/main" xmlns="" id="{D5095488-B6E4-42D1-8BDB-A6F77EDB308A}"/>
+                <a16:creationId xmlns="" xmlns:a16="http://schemas.microsoft.com/office/drawing/2014/main" id="{D5095488-B6E4-42D1-8BDB-A6F77EDB308A}"/>
               </a:ext>
             </a:extLst>
           </p:cNvPr>
@@ -3688,7 +3689,7 @@
           <p:cNvPr id="19" name="7 Proceso">
             <a:extLst>
               <a:ext uri="{FF2B5EF4-FFF2-40B4-BE49-F238E27FC236}">
-                <a16:creationId xmlns:a16="http://schemas.microsoft.com/office/drawing/2014/main" xmlns="" id="{D5095488-B6E4-42D1-8BDB-A6F77EDB308A}"/>
+                <a16:creationId xmlns="" xmlns:a16="http://schemas.microsoft.com/office/drawing/2014/main" id="{D5095488-B6E4-42D1-8BDB-A6F77EDB308A}"/>
               </a:ext>
             </a:extLst>
           </p:cNvPr>
@@ -3792,7 +3793,7 @@
           <p:cNvPr id="21" name="7 Proceso">
             <a:extLst>
               <a:ext uri="{FF2B5EF4-FFF2-40B4-BE49-F238E27FC236}">
-                <a16:creationId xmlns:a16="http://schemas.microsoft.com/office/drawing/2014/main" xmlns="" id="{D5095488-B6E4-42D1-8BDB-A6F77EDB308A}"/>
+                <a16:creationId xmlns="" xmlns:a16="http://schemas.microsoft.com/office/drawing/2014/main" id="{D5095488-B6E4-42D1-8BDB-A6F77EDB308A}"/>
               </a:ext>
             </a:extLst>
           </p:cNvPr>
@@ -3845,7 +3846,7 @@
           <p:cNvPr id="22" name="7 Proceso">
             <a:extLst>
               <a:ext uri="{FF2B5EF4-FFF2-40B4-BE49-F238E27FC236}">
-                <a16:creationId xmlns:a16="http://schemas.microsoft.com/office/drawing/2014/main" xmlns="" id="{D5095488-B6E4-42D1-8BDB-A6F77EDB308A}"/>
+                <a16:creationId xmlns="" xmlns:a16="http://schemas.microsoft.com/office/drawing/2014/main" id="{D5095488-B6E4-42D1-8BDB-A6F77EDB308A}"/>
               </a:ext>
             </a:extLst>
           </p:cNvPr>
@@ -3898,7 +3899,7 @@
           <p:cNvPr id="23" name="7 Proceso">
             <a:extLst>
               <a:ext uri="{FF2B5EF4-FFF2-40B4-BE49-F238E27FC236}">
-                <a16:creationId xmlns:a16="http://schemas.microsoft.com/office/drawing/2014/main" xmlns="" id="{D5095488-B6E4-42D1-8BDB-A6F77EDB308A}"/>
+                <a16:creationId xmlns="" xmlns:a16="http://schemas.microsoft.com/office/drawing/2014/main" id="{D5095488-B6E4-42D1-8BDB-A6F77EDB308A}"/>
               </a:ext>
             </a:extLst>
           </p:cNvPr>
@@ -3951,7 +3952,7 @@
           <p:cNvPr id="24" name="7 Proceso">
             <a:extLst>
               <a:ext uri="{FF2B5EF4-FFF2-40B4-BE49-F238E27FC236}">
-                <a16:creationId xmlns:a16="http://schemas.microsoft.com/office/drawing/2014/main" xmlns="" id="{D5095488-B6E4-42D1-8BDB-A6F77EDB308A}"/>
+                <a16:creationId xmlns="" xmlns:a16="http://schemas.microsoft.com/office/drawing/2014/main" id="{D5095488-B6E4-42D1-8BDB-A6F77EDB308A}"/>
               </a:ext>
             </a:extLst>
           </p:cNvPr>
@@ -4004,7 +4005,7 @@
           <p:cNvPr id="25" name="7 Proceso">
             <a:extLst>
               <a:ext uri="{FF2B5EF4-FFF2-40B4-BE49-F238E27FC236}">
-                <a16:creationId xmlns:a16="http://schemas.microsoft.com/office/drawing/2014/main" xmlns="" id="{D5095488-B6E4-42D1-8BDB-A6F77EDB308A}"/>
+                <a16:creationId xmlns="" xmlns:a16="http://schemas.microsoft.com/office/drawing/2014/main" id="{D5095488-B6E4-42D1-8BDB-A6F77EDB308A}"/>
               </a:ext>
             </a:extLst>
           </p:cNvPr>
@@ -4060,7 +4061,7 @@
         </p:nvSpPr>
         <p:spPr>
           <a:xfrm>
-            <a:off x="4950813" y="5729247"/>
+            <a:off x="4940667" y="6076148"/>
             <a:ext cx="1640127" cy="707475"/>
           </a:xfrm>
           <a:prstGeom prst="flowChartDecision">
@@ -4509,8 +4510,8 @@
         </p:nvCxnSpPr>
         <p:spPr>
           <a:xfrm flipH="1" flipV="1">
-            <a:off x="1472749" y="6082984"/>
-            <a:ext cx="3478064" cy="1"/>
+            <a:off x="994870" y="6429885"/>
+            <a:ext cx="3945797" cy="1"/>
           </a:xfrm>
           <a:prstGeom prst="line">
             <a:avLst/>
@@ -4738,7 +4739,7 @@
         <p:spPr>
           <a:xfrm>
             <a:off x="3044796" y="5517001"/>
-            <a:ext cx="2726081" cy="212246"/>
+            <a:ext cx="2715935" cy="559147"/>
           </a:xfrm>
           <a:prstGeom prst="straightConnector1">
             <a:avLst/>
@@ -4767,13 +4768,14 @@
           <p:cNvPr id="46" name="Conector recto de flecha 45"/>
           <p:cNvCxnSpPr>
             <a:stCxn id="5" idx="2"/>
+            <a:endCxn id="26" idx="0"/>
           </p:cNvCxnSpPr>
           <p:nvPr/>
         </p:nvCxnSpPr>
         <p:spPr>
           <a:xfrm flipH="1">
-            <a:off x="5877551" y="5664752"/>
-            <a:ext cx="703243" cy="64495"/>
+            <a:off x="5760731" y="5664752"/>
+            <a:ext cx="820063" cy="411396"/>
           </a:xfrm>
           <a:prstGeom prst="straightConnector1">
             <a:avLst/>
@@ -4838,9 +4840,9 @@
           <p:nvPr/>
         </p:nvCxnSpPr>
         <p:spPr>
-          <a:xfrm flipH="1" flipV="1">
-            <a:off x="5770877" y="5729247"/>
-            <a:ext cx="3560246" cy="67748"/>
+          <a:xfrm flipH="1">
+            <a:off x="5760731" y="5890807"/>
+            <a:ext cx="3570392" cy="185341"/>
           </a:xfrm>
           <a:prstGeom prst="straightConnector1">
             <a:avLst/>
@@ -4919,7 +4921,6 @@
               <a:rPr lang="es-ES" sz="1200" dirty="0"/>
               <a:t>No</a:t>
             </a:r>
-            <a:endParaRPr lang="es-ES" sz="1200" dirty="0"/>
           </a:p>
         </p:txBody>
       </p:sp>
@@ -4948,7 +4949,6 @@
               <a:rPr lang="es-ES" sz="1200" dirty="0"/>
               <a:t>No</a:t>
             </a:r>
-            <a:endParaRPr lang="es-ES" sz="1200" dirty="0"/>
           </a:p>
         </p:txBody>
       </p:sp>
@@ -4962,9 +4962,9 @@
           <p:nvPr/>
         </p:nvCxnSpPr>
         <p:spPr>
-          <a:xfrm>
-            <a:off x="6590940" y="6082985"/>
-            <a:ext cx="668495" cy="31750"/>
+          <a:xfrm flipV="1">
+            <a:off x="6580794" y="6406670"/>
+            <a:ext cx="876349" cy="23216"/>
           </a:xfrm>
           <a:prstGeom prst="straightConnector1">
             <a:avLst/>
@@ -5077,14 +5077,14 @@
       </p:sp>
       <p:cxnSp>
         <p:nvCxnSpPr>
-          <p:cNvPr id="57" name="Conector recto 56"/>
+          <p:cNvPr id="56" name="Conector recto 55"/>
           <p:cNvCxnSpPr/>
           <p:nvPr/>
         </p:nvCxnSpPr>
         <p:spPr>
-          <a:xfrm flipH="1" flipV="1">
-            <a:off x="1228112" y="2298357"/>
-            <a:ext cx="280087" cy="3789405"/>
+          <a:xfrm flipV="1">
+            <a:off x="994870" y="2205343"/>
+            <a:ext cx="10146" cy="4224542"/>
           </a:xfrm>
           <a:prstGeom prst="line">
             <a:avLst/>
@@ -5107,7 +5107,7 @@
       </p:cxnSp>
       <p:cxnSp>
         <p:nvCxnSpPr>
-          <p:cNvPr id="59" name="Conector recto de flecha 58"/>
+          <p:cNvPr id="60" name="Conector recto de flecha 59"/>
           <p:cNvCxnSpPr>
             <a:endCxn id="11" idx="1"/>
           </p:cNvCxnSpPr>
@@ -5115,8 +5115,8 @@
         </p:nvCxnSpPr>
         <p:spPr>
           <a:xfrm flipV="1">
-            <a:off x="1222058" y="2198290"/>
-            <a:ext cx="3575373" cy="91829"/>
+            <a:off x="1005016" y="2198290"/>
+            <a:ext cx="3792415" cy="7053"/>
           </a:xfrm>
           <a:prstGeom prst="straightConnector1">
             <a:avLst/>
